--- a/Design/ER diagram.pptx
+++ b/Design/ER diagram.pptx
@@ -299,7 +299,7 @@
           <a:p>
             <a:fld id="{8AE34E5A-9D84-8641-A07E-3DA2FD963A4D}" type="datetimeFigureOut">
               <a:rPr lang="en-US" smtClean="0"/>
-              <a:t>10/19/14 </a:t>
+              <a:t>10/20/14 </a:t>
             </a:fld>
             <a:endParaRPr lang="en-US"/>
           </a:p>
@@ -469,7 +469,7 @@
           <a:p>
             <a:fld id="{8AE34E5A-9D84-8641-A07E-3DA2FD963A4D}" type="datetimeFigureOut">
               <a:rPr lang="en-US" smtClean="0"/>
-              <a:t>10/19/14 </a:t>
+              <a:t>10/20/14 </a:t>
             </a:fld>
             <a:endParaRPr lang="en-US"/>
           </a:p>
@@ -649,7 +649,7 @@
           <a:p>
             <a:fld id="{8AE34E5A-9D84-8641-A07E-3DA2FD963A4D}" type="datetimeFigureOut">
               <a:rPr lang="en-US" smtClean="0"/>
-              <a:t>10/19/14 </a:t>
+              <a:t>10/20/14 </a:t>
             </a:fld>
             <a:endParaRPr lang="en-US"/>
           </a:p>
@@ -819,7 +819,7 @@
           <a:p>
             <a:fld id="{8AE34E5A-9D84-8641-A07E-3DA2FD963A4D}" type="datetimeFigureOut">
               <a:rPr lang="en-US" smtClean="0"/>
-              <a:t>10/19/14 </a:t>
+              <a:t>10/20/14 </a:t>
             </a:fld>
             <a:endParaRPr lang="en-US"/>
           </a:p>
@@ -1065,7 +1065,7 @@
           <a:p>
             <a:fld id="{8AE34E5A-9D84-8641-A07E-3DA2FD963A4D}" type="datetimeFigureOut">
               <a:rPr lang="en-US" smtClean="0"/>
-              <a:t>10/19/14 </a:t>
+              <a:t>10/20/14 </a:t>
             </a:fld>
             <a:endParaRPr lang="en-US"/>
           </a:p>
@@ -1353,7 +1353,7 @@
           <a:p>
             <a:fld id="{8AE34E5A-9D84-8641-A07E-3DA2FD963A4D}" type="datetimeFigureOut">
               <a:rPr lang="en-US" smtClean="0"/>
-              <a:t>10/19/14 </a:t>
+              <a:t>10/20/14 </a:t>
             </a:fld>
             <a:endParaRPr lang="en-US"/>
           </a:p>
@@ -1775,7 +1775,7 @@
           <a:p>
             <a:fld id="{8AE34E5A-9D84-8641-A07E-3DA2FD963A4D}" type="datetimeFigureOut">
               <a:rPr lang="en-US" smtClean="0"/>
-              <a:t>10/19/14 </a:t>
+              <a:t>10/20/14 </a:t>
             </a:fld>
             <a:endParaRPr lang="en-US"/>
           </a:p>
@@ -1893,7 +1893,7 @@
           <a:p>
             <a:fld id="{8AE34E5A-9D84-8641-A07E-3DA2FD963A4D}" type="datetimeFigureOut">
               <a:rPr lang="en-US" smtClean="0"/>
-              <a:t>10/19/14 </a:t>
+              <a:t>10/20/14 </a:t>
             </a:fld>
             <a:endParaRPr lang="en-US"/>
           </a:p>
@@ -1988,7 +1988,7 @@
           <a:p>
             <a:fld id="{8AE34E5A-9D84-8641-A07E-3DA2FD963A4D}" type="datetimeFigureOut">
               <a:rPr lang="en-US" smtClean="0"/>
-              <a:t>10/19/14 </a:t>
+              <a:t>10/20/14 </a:t>
             </a:fld>
             <a:endParaRPr lang="en-US"/>
           </a:p>
@@ -2265,7 +2265,7 @@
           <a:p>
             <a:fld id="{8AE34E5A-9D84-8641-A07E-3DA2FD963A4D}" type="datetimeFigureOut">
               <a:rPr lang="en-US" smtClean="0"/>
-              <a:t>10/19/14 </a:t>
+              <a:t>10/20/14 </a:t>
             </a:fld>
             <a:endParaRPr lang="en-US"/>
           </a:p>
@@ -2518,7 +2518,7 @@
           <a:p>
             <a:fld id="{8AE34E5A-9D84-8641-A07E-3DA2FD963A4D}" type="datetimeFigureOut">
               <a:rPr lang="en-US" smtClean="0"/>
-              <a:t>10/19/14 </a:t>
+              <a:t>10/20/14 </a:t>
             </a:fld>
             <a:endParaRPr lang="en-US"/>
           </a:p>
@@ -2731,7 +2731,7 @@
           <a:p>
             <a:fld id="{8AE34E5A-9D84-8641-A07E-3DA2FD963A4D}" type="datetimeFigureOut">
               <a:rPr lang="en-US" smtClean="0"/>
-              <a:t>10/19/14 </a:t>
+              <a:t>10/20/14 </a:t>
             </a:fld>
             <a:endParaRPr lang="en-US"/>
           </a:p>
@@ -8969,14 +8969,14 @@
           <p:nvPr>
             <p:extLst>
               <p:ext uri="{D42A27DB-BD31-4B8C-83A1-F6EECF244321}">
-                <p14:modId xmlns:p14="http://schemas.microsoft.com/office/powerpoint/2010/main" val="546754723"/>
+                <p14:modId xmlns:p14="http://schemas.microsoft.com/office/powerpoint/2010/main" val="2618593015"/>
               </p:ext>
             </p:extLst>
           </p:nvPr>
         </p:nvGraphicFramePr>
         <p:xfrm>
           <a:off x="265030" y="7362419"/>
-          <a:ext cx="2499707" cy="2042160"/>
+          <a:ext cx="2499707" cy="2438400"/>
         </p:xfrm>
         <a:graphic>
           <a:graphicData uri="http://schemas.openxmlformats.org/drawingml/2006/table">
@@ -9237,6 +9237,47 @@
                   <a:tcPr anchor="ctr"/>
                 </a:tc>
               </a:tr>
+              <a:tr h="376363">
+                <a:tc>
+                  <a:txBody>
+                    <a:bodyPr/>
+                    <a:lstStyle/>
+                    <a:p>
+                      <a:pPr marL="0" marR="0" indent="0" algn="l" defTabSz="457200" rtl="0" eaLnBrk="1" fontAlgn="auto" latinLnBrk="0" hangingPunct="1">
+                        <a:lnSpc>
+                          <a:spcPct val="100000"/>
+                        </a:lnSpc>
+                        <a:spcBef>
+                          <a:spcPts val="0"/>
+                        </a:spcBef>
+                        <a:spcAft>
+                          <a:spcPts val="0"/>
+                        </a:spcAft>
+                        <a:buClrTx/>
+                        <a:buSzTx/>
+                        <a:buFontTx/>
+                        <a:buNone/>
+                        <a:tabLst/>
+                        <a:defRPr/>
+                      </a:pPr>
+                      <a:r>
+                        <a:rPr lang="en-US" sz="2000" dirty="0" smtClean="0">
+                          <a:solidFill>
+                            <a:schemeClr val="tx1"/>
+                          </a:solidFill>
+                        </a:rPr>
+                        <a:t>     time</a:t>
+                      </a:r>
+                      <a:endParaRPr lang="en-US" sz="2000" dirty="0" smtClean="0">
+                        <a:solidFill>
+                          <a:schemeClr val="tx1"/>
+                        </a:solidFill>
+                      </a:endParaRPr>
+                    </a:p>
+                  </a:txBody>
+                  <a:tcPr anchor="ctr"/>
+                </a:tc>
+              </a:tr>
             </a:tbl>
           </a:graphicData>
         </a:graphic>
@@ -9476,8 +9517,8 @@
         </p:nvCxnSpPr>
         <p:spPr>
           <a:xfrm>
-            <a:off x="1494049" y="9404579"/>
-            <a:ext cx="0" cy="1093446"/>
+            <a:off x="1517595" y="9791845"/>
+            <a:ext cx="5973" cy="706180"/>
           </a:xfrm>
           <a:prstGeom prst="line">
             <a:avLst/>
@@ -9512,7 +9553,7 @@
         </p:nvCxnSpPr>
         <p:spPr>
           <a:xfrm flipV="1">
-            <a:off x="1500022" y="9417237"/>
+            <a:off x="1523568" y="9804503"/>
             <a:ext cx="215525" cy="259989"/>
           </a:xfrm>
           <a:prstGeom prst="line">
@@ -9548,7 +9589,7 @@
         </p:nvCxnSpPr>
         <p:spPr>
           <a:xfrm>
-            <a:off x="1271428" y="9414348"/>
+            <a:off x="1294974" y="9801614"/>
             <a:ext cx="219803" cy="259989"/>
           </a:xfrm>
           <a:prstGeom prst="line">
@@ -9584,7 +9625,7 @@
         </p:nvCxnSpPr>
         <p:spPr>
           <a:xfrm>
-            <a:off x="1333171" y="9677226"/>
+            <a:off x="1356717" y="10064492"/>
             <a:ext cx="333989" cy="0"/>
           </a:xfrm>
           <a:prstGeom prst="line">
